--- a/sd/qa/unit/data/pptx/smartart-interopgrabbag.pptx
+++ b/sd/qa/unit/data/pptx/smartart-interopgrabbag.pptx
@@ -5669,7 +5669,7 @@
     </a:clrScheme>
     <a:fontScheme name="Office">
       <a:majorFont>
-        <a:latin typeface="Calibri Light" panose="020F0302020204030204"/>
+        <a:latin typeface="Noto Sans" panose="020F0302020204030204"/>
         <a:ea typeface=""/>
         <a:cs typeface=""/>
         <a:font script="Jpan" typeface="游ゴシック Light"/>
